--- a/favicon.pptx
+++ b/favicon.pptx
@@ -3447,7 +3447,7 @@
         <p:spPr>
           <a:xfrm>
             <a:off x="3892138" y="1143000"/>
-            <a:ext cx="152400" cy="152400"/>
+            <a:ext cx="304800" cy="304800"/>
           </a:xfrm>
           <a:prstGeom prst="rect">
             <a:avLst/>
